--- a/CPSC-24700/Presentations/session-26.pptx
+++ b/CPSC-24700/Presentations/session-26.pptx
@@ -121,6 +121,10 @@
 </p:presentation>
 </file>
 
+<file path=ppt/revisionInfo.xml><?xml version="1.0" encoding="utf-8"?>
+<p1510:revInfo xmlns:a="http://schemas.openxmlformats.org/drawingml/2006/main" xmlns:r="http://schemas.openxmlformats.org/officeDocument/2006/relationships" xmlns:p1510="http://schemas.microsoft.com/office/powerpoint/2015/10/main"/>
+</file>
+
 <file path=ppt/notesMasters/notesMaster1.xml><?xml version="1.0" encoding="utf-8"?>
 <p:notesMaster xmlns:a="http://schemas.openxmlformats.org/drawingml/2006/main" xmlns:r="http://schemas.openxmlformats.org/officeDocument/2006/relationships" xmlns:p="http://schemas.openxmlformats.org/presentationml/2006/main">
   <p:cSld>
@@ -203,7 +207,7 @@
           <a:p>
             <a:fld id="{1CF91C02-A59E-4778-8D4F-4840DBBEFA68}" type="datetimeFigureOut">
               <a:rPr lang="en-US" smtClean="0"/>
-              <a:t>10/27/2017</a:t>
+              <a:t>10/30/2017</a:t>
             </a:fld>
             <a:endParaRPr lang="en-US"/>
           </a:p>
@@ -514,30 +518,6 @@
           <a:bodyPr/>
           <a:lstStyle/>
           <a:p>
-            <a:r>
-              <a:rPr lang="en-US" dirty="0"/>
-              <a:t>Software Internationalization </a:t>
-            </a:r>
-          </a:p>
-          <a:p>
-            <a:r>
-              <a:rPr lang="en-US" dirty="0"/>
-              <a:t>Local… language-country (or region)</a:t>
-            </a:r>
-          </a:p>
-          <a:p>
-            <a:r>
-              <a:rPr lang="en-US" dirty="0"/>
-              <a:t>Rule of thumb… +50% for second Local and +25% for each local after that</a:t>
-            </a:r>
-          </a:p>
-          <a:p>
-            <a:r>
-              <a:rPr lang="en-US" dirty="0"/>
-              <a:t>Add an additional 50% for your first non-Romantic language (i.e. Chinese) or first “right-to-left” language (i.e. Arabic)</a:t>
-            </a:r>
-          </a:p>
-          <a:p>
             <a:endParaRPr lang="en-US" dirty="0"/>
           </a:p>
         </p:txBody>
@@ -1237,7 +1217,7 @@
           <a:p>
             <a:fld id="{5FB62F81-FD80-4AA8-93CA-E835B40BE667}" type="datetimeFigureOut">
               <a:rPr lang="en-US" smtClean="0"/>
-              <a:t>10/27/2017</a:t>
+              <a:t>10/30/2017</a:t>
             </a:fld>
             <a:endParaRPr lang="en-US"/>
           </a:p>
@@ -1435,7 +1415,7 @@
           <a:p>
             <a:fld id="{5FB62F81-FD80-4AA8-93CA-E835B40BE667}" type="datetimeFigureOut">
               <a:rPr lang="en-US" smtClean="0"/>
-              <a:t>10/27/2017</a:t>
+              <a:t>10/30/2017</a:t>
             </a:fld>
             <a:endParaRPr lang="en-US"/>
           </a:p>
@@ -1643,7 +1623,7 @@
           <a:p>
             <a:fld id="{5FB62F81-FD80-4AA8-93CA-E835B40BE667}" type="datetimeFigureOut">
               <a:rPr lang="en-US" smtClean="0"/>
-              <a:t>10/27/2017</a:t>
+              <a:t>10/30/2017</a:t>
             </a:fld>
             <a:endParaRPr lang="en-US"/>
           </a:p>
@@ -1841,7 +1821,7 @@
           <a:p>
             <a:fld id="{5FB62F81-FD80-4AA8-93CA-E835B40BE667}" type="datetimeFigureOut">
               <a:rPr lang="en-US" smtClean="0"/>
-              <a:t>10/27/2017</a:t>
+              <a:t>10/30/2017</a:t>
             </a:fld>
             <a:endParaRPr lang="en-US"/>
           </a:p>
@@ -2116,7 +2096,7 @@
           <a:p>
             <a:fld id="{5FB62F81-FD80-4AA8-93CA-E835B40BE667}" type="datetimeFigureOut">
               <a:rPr lang="en-US" smtClean="0"/>
-              <a:t>10/27/2017</a:t>
+              <a:t>10/30/2017</a:t>
             </a:fld>
             <a:endParaRPr lang="en-US"/>
           </a:p>
@@ -2381,7 +2361,7 @@
           <a:p>
             <a:fld id="{5FB62F81-FD80-4AA8-93CA-E835B40BE667}" type="datetimeFigureOut">
               <a:rPr lang="en-US" smtClean="0"/>
-              <a:t>10/27/2017</a:t>
+              <a:t>10/30/2017</a:t>
             </a:fld>
             <a:endParaRPr lang="en-US"/>
           </a:p>
@@ -2793,7 +2773,7 @@
           <a:p>
             <a:fld id="{5FB62F81-FD80-4AA8-93CA-E835B40BE667}" type="datetimeFigureOut">
               <a:rPr lang="en-US" smtClean="0"/>
-              <a:t>10/27/2017</a:t>
+              <a:t>10/30/2017</a:t>
             </a:fld>
             <a:endParaRPr lang="en-US"/>
           </a:p>
@@ -2934,7 +2914,7 @@
           <a:p>
             <a:fld id="{5FB62F81-FD80-4AA8-93CA-E835B40BE667}" type="datetimeFigureOut">
               <a:rPr lang="en-US" smtClean="0"/>
-              <a:t>10/27/2017</a:t>
+              <a:t>10/30/2017</a:t>
             </a:fld>
             <a:endParaRPr lang="en-US"/>
           </a:p>
@@ -3047,7 +3027,7 @@
           <a:p>
             <a:fld id="{5FB62F81-FD80-4AA8-93CA-E835B40BE667}" type="datetimeFigureOut">
               <a:rPr lang="en-US" smtClean="0"/>
-              <a:t>10/27/2017</a:t>
+              <a:t>10/30/2017</a:t>
             </a:fld>
             <a:endParaRPr lang="en-US"/>
           </a:p>
@@ -3358,7 +3338,7 @@
           <a:p>
             <a:fld id="{5FB62F81-FD80-4AA8-93CA-E835B40BE667}" type="datetimeFigureOut">
               <a:rPr lang="en-US" smtClean="0"/>
-              <a:t>10/27/2017</a:t>
+              <a:t>10/30/2017</a:t>
             </a:fld>
             <a:endParaRPr lang="en-US"/>
           </a:p>
@@ -3646,7 +3626,7 @@
           <a:p>
             <a:fld id="{5FB62F81-FD80-4AA8-93CA-E835B40BE667}" type="datetimeFigureOut">
               <a:rPr lang="en-US" smtClean="0"/>
-              <a:t>10/27/2017</a:t>
+              <a:t>10/30/2017</a:t>
             </a:fld>
             <a:endParaRPr lang="en-US"/>
           </a:p>
@@ -3887,7 +3867,7 @@
           <a:p>
             <a:fld id="{5FB62F81-FD80-4AA8-93CA-E835B40BE667}" type="datetimeFigureOut">
               <a:rPr lang="en-US" smtClean="0"/>
-              <a:t>10/27/2017</a:t>
+              <a:t>10/30/2017</a:t>
             </a:fld>
             <a:endParaRPr lang="en-US"/>
           </a:p>
@@ -4559,7 +4539,7 @@
           <a:p>
             <a:r>
               <a:rPr lang="en-US" sz="4800" dirty="0"/>
-              <a:t>Google Maps Demos</a:t>
+              <a:t>Google Maps Demo</a:t>
             </a:r>
           </a:p>
         </p:txBody>

--- a/CPSC-24700/Presentations/session-26.pptx
+++ b/CPSC-24700/Presentations/session-26.pptx
@@ -4907,18 +4907,15 @@
         <p:spPr>
           <a:xfrm>
             <a:off x="1524000" y="1122362"/>
-            <a:ext cx="9144000" cy="3933732"/>
+            <a:ext cx="9144000" cy="3333444"/>
           </a:xfrm>
         </p:spPr>
         <p:txBody>
           <a:bodyPr>
-            <a:normAutofit fontScale="90000"/>
+            <a:noAutofit/>
           </a:bodyPr>
           <a:lstStyle/>
           <a:p>
-            <a:br>
-              <a:rPr lang="en-US" sz="4800" dirty="0"/>
-            </a:br>
             <a:br>
               <a:rPr lang="en-US" sz="4800" dirty="0"/>
             </a:br>

--- a/CPSC-24700/Presentations/session-26.pptx
+++ b/CPSC-24700/Presentations/session-26.pptx
@@ -5,7 +5,7 @@
     <p:sldMasterId id="2147483648" r:id="rId1"/>
   </p:sldMasterIdLst>
   <p:notesMasterIdLst>
-    <p:notesMasterId r:id="rId9"/>
+    <p:notesMasterId r:id="rId10"/>
   </p:notesMasterIdLst>
   <p:sldIdLst>
     <p:sldId id="257" r:id="rId2"/>
@@ -13,8 +13,9 @@
     <p:sldId id="291" r:id="rId4"/>
     <p:sldId id="300" r:id="rId5"/>
     <p:sldId id="301" r:id="rId6"/>
-    <p:sldId id="299" r:id="rId7"/>
-    <p:sldId id="263" r:id="rId8"/>
+    <p:sldId id="303" r:id="rId7"/>
+    <p:sldId id="299" r:id="rId8"/>
+    <p:sldId id="263" r:id="rId9"/>
   </p:sldIdLst>
   <p:sldSz cx="12192000" cy="6858000"/>
   <p:notesSz cx="7315200" cy="9601200"/>
@@ -946,7 +947,7 @@
           <a:bodyPr/>
           <a:lstStyle/>
           <a:p>
-            <a:endParaRPr lang="en-US" dirty="0"/>
+            <a:endParaRPr lang="en-US" sz="1000" dirty="0"/>
           </a:p>
         </p:txBody>
       </p:sp>
@@ -965,18 +966,18 @@
           <a:bodyPr/>
           <a:lstStyle/>
           <a:p>
-            <a:fld id="{5394DE12-7B9B-46AA-AC19-C30A49928B9B}" type="slidenum">
+            <a:fld id="{23B99BB9-C7F6-43B3-A122-46088ABB36FB}" type="slidenum">
               <a:rPr lang="en-US" smtClean="0"/>
               <a:t>6</a:t>
             </a:fld>
-            <a:endParaRPr lang="en-US" dirty="0"/>
+            <a:endParaRPr lang="en-US"/>
           </a:p>
         </p:txBody>
       </p:sp>
     </p:spTree>
     <p:extLst>
       <p:ext uri="{BB962C8B-B14F-4D97-AF65-F5344CB8AC3E}">
-        <p14:creationId xmlns:p14="http://schemas.microsoft.com/office/powerpoint/2010/main" val="2032946705"/>
+        <p14:creationId xmlns:p14="http://schemas.microsoft.com/office/powerpoint/2010/main" val="3237811527"/>
       </p:ext>
     </p:extLst>
   </p:cSld>
@@ -1052,6 +1053,90 @@
             <a:fld id="{5394DE12-7B9B-46AA-AC19-C30A49928B9B}" type="slidenum">
               <a:rPr lang="en-US" smtClean="0"/>
               <a:t>7</a:t>
+            </a:fld>
+            <a:endParaRPr lang="en-US" dirty="0"/>
+          </a:p>
+        </p:txBody>
+      </p:sp>
+    </p:spTree>
+    <p:extLst>
+      <p:ext uri="{BB962C8B-B14F-4D97-AF65-F5344CB8AC3E}">
+        <p14:creationId xmlns:p14="http://schemas.microsoft.com/office/powerpoint/2010/main" val="2032946705"/>
+      </p:ext>
+    </p:extLst>
+  </p:cSld>
+  <p:clrMapOvr>
+    <a:masterClrMapping/>
+  </p:clrMapOvr>
+</p:notes>
+</file>
+
+<file path=ppt/notesSlides/notesSlide8.xml><?xml version="1.0" encoding="utf-8"?>
+<p:notes xmlns:a="http://schemas.openxmlformats.org/drawingml/2006/main" xmlns:r="http://schemas.openxmlformats.org/officeDocument/2006/relationships" xmlns:p="http://schemas.openxmlformats.org/presentationml/2006/main">
+  <p:cSld>
+    <p:spTree>
+      <p:nvGrpSpPr>
+        <p:cNvPr id="1" name=""/>
+        <p:cNvGrpSpPr/>
+        <p:nvPr/>
+      </p:nvGrpSpPr>
+      <p:grpSpPr>
+        <a:xfrm>
+          <a:off x="0" y="0"/>
+          <a:ext cx="0" cy="0"/>
+          <a:chOff x="0" y="0"/>
+          <a:chExt cx="0" cy="0"/>
+        </a:xfrm>
+      </p:grpSpPr>
+      <p:sp>
+        <p:nvSpPr>
+          <p:cNvPr id="2" name="Slide Image Placeholder 1"/>
+          <p:cNvSpPr>
+            <a:spLocks noGrp="1" noRot="1" noChangeAspect="1"/>
+          </p:cNvSpPr>
+          <p:nvPr>
+            <p:ph type="sldImg"/>
+          </p:nvPr>
+        </p:nvSpPr>
+        <p:spPr/>
+      </p:sp>
+      <p:sp>
+        <p:nvSpPr>
+          <p:cNvPr id="3" name="Notes Placeholder 2"/>
+          <p:cNvSpPr>
+            <a:spLocks noGrp="1"/>
+          </p:cNvSpPr>
+          <p:nvPr>
+            <p:ph type="body" idx="1"/>
+          </p:nvPr>
+        </p:nvSpPr>
+        <p:spPr/>
+        <p:txBody>
+          <a:bodyPr/>
+          <a:lstStyle/>
+          <a:p>
+            <a:endParaRPr lang="en-US" dirty="0"/>
+          </a:p>
+        </p:txBody>
+      </p:sp>
+      <p:sp>
+        <p:nvSpPr>
+          <p:cNvPr id="4" name="Slide Number Placeholder 3"/>
+          <p:cNvSpPr>
+            <a:spLocks noGrp="1"/>
+          </p:cNvSpPr>
+          <p:nvPr>
+            <p:ph type="sldNum" sz="quarter" idx="10"/>
+          </p:nvPr>
+        </p:nvSpPr>
+        <p:spPr/>
+        <p:txBody>
+          <a:bodyPr/>
+          <a:lstStyle/>
+          <a:p>
+            <a:fld id="{5394DE12-7B9B-46AA-AC19-C30A49928B9B}" type="slidenum">
+              <a:rPr lang="en-US" smtClean="0"/>
+              <a:t>8</a:t>
             </a:fld>
             <a:endParaRPr lang="en-US" dirty="0"/>
           </a:p>
@@ -4352,7 +4437,7 @@
         <p:spPr/>
         <p:txBody>
           <a:bodyPr>
-            <a:normAutofit/>
+            <a:normAutofit lnSpcReduction="10000"/>
           </a:bodyPr>
           <a:lstStyle/>
           <a:p>
@@ -4401,7 +4486,27 @@
             </a:pPr>
             <a:r>
               <a:rPr lang="en-US" sz="2000" dirty="0"/>
-              <a:t>XML &amp; Web Services</a:t>
+              <a:t>AJAX</a:t>
+            </a:r>
+          </a:p>
+          <a:p>
+            <a:pPr marL="457200" indent="-457200">
+              <a:buFont typeface="+mj-lt"/>
+              <a:buAutoNum type="arabicPeriod"/>
+            </a:pPr>
+            <a:r>
+              <a:rPr lang="en-US" sz="2000" dirty="0"/>
+              <a:t>Today’s Assignment</a:t>
+            </a:r>
+          </a:p>
+          <a:p>
+            <a:pPr marL="457200" indent="-457200">
+              <a:buFont typeface="+mj-lt"/>
+              <a:buAutoNum type="arabicPeriod"/>
+            </a:pPr>
+            <a:r>
+              <a:rPr lang="en-US" sz="2000" dirty="0"/>
+              <a:t>Request for 1 or 2 Volunteers for Alternate Project 4 assignment</a:t>
             </a:r>
           </a:p>
           <a:p>
@@ -4528,7 +4633,7 @@
         <p:spPr>
           <a:xfrm>
             <a:off x="1524000" y="1122362"/>
-            <a:ext cx="9144000" cy="3078009"/>
+            <a:ext cx="9144000" cy="2904029"/>
           </a:xfrm>
         </p:spPr>
         <p:txBody>
@@ -4723,7 +4828,7 @@
         <p:spPr>
           <a:xfrm>
             <a:off x="1524000" y="1122362"/>
-            <a:ext cx="9144000" cy="3078009"/>
+            <a:ext cx="9144000" cy="2904029"/>
           </a:xfrm>
         </p:spPr>
         <p:txBody>
@@ -4896,6 +5001,174 @@
       </p:grpSpPr>
       <p:sp>
         <p:nvSpPr>
+          <p:cNvPr id="4" name="Title 1">
+            <a:extLst>
+              <a:ext uri="{FF2B5EF4-FFF2-40B4-BE49-F238E27FC236}">
+                <a16:creationId xmlns:a16="http://schemas.microsoft.com/office/drawing/2014/main" id="{527CE47F-3EF6-48CA-9239-E8B6E5C6B41A}"/>
+              </a:ext>
+            </a:extLst>
+          </p:cNvPr>
+          <p:cNvSpPr>
+            <a:spLocks noGrp="1"/>
+          </p:cNvSpPr>
+          <p:nvPr>
+            <p:ph type="title"/>
+          </p:nvPr>
+        </p:nvSpPr>
+        <p:spPr>
+          <a:xfrm>
+            <a:off x="838200" y="365125"/>
+            <a:ext cx="10515600" cy="1325563"/>
+          </a:xfrm>
+        </p:spPr>
+        <p:txBody>
+          <a:bodyPr>
+            <a:normAutofit/>
+          </a:bodyPr>
+          <a:lstStyle/>
+          <a:p>
+            <a:r>
+              <a:rPr lang="en-US" sz="3600" dirty="0"/>
+              <a:t>Alternate Project 4… or bonus addition to Project 4</a:t>
+            </a:r>
+          </a:p>
+        </p:txBody>
+      </p:sp>
+      <p:sp>
+        <p:nvSpPr>
+          <p:cNvPr id="5" name="Content Placeholder 2">
+            <a:extLst>
+              <a:ext uri="{FF2B5EF4-FFF2-40B4-BE49-F238E27FC236}">
+                <a16:creationId xmlns:a16="http://schemas.microsoft.com/office/drawing/2014/main" id="{E8F0EA9A-219C-40FD-AE36-784EE1B77D56}"/>
+              </a:ext>
+            </a:extLst>
+          </p:cNvPr>
+          <p:cNvSpPr>
+            <a:spLocks noGrp="1"/>
+          </p:cNvSpPr>
+          <p:nvPr>
+            <p:ph idx="1"/>
+          </p:nvPr>
+        </p:nvSpPr>
+        <p:spPr>
+          <a:xfrm>
+            <a:off x="838198" y="1525772"/>
+            <a:ext cx="10515601" cy="4651191"/>
+          </a:xfrm>
+        </p:spPr>
+        <p:txBody>
+          <a:bodyPr>
+            <a:normAutofit/>
+          </a:bodyPr>
+          <a:lstStyle/>
+          <a:p>
+            <a:pPr marL="0" indent="0">
+              <a:spcBef>
+                <a:spcPts val="4800"/>
+              </a:spcBef>
+              <a:buNone/>
+            </a:pPr>
+            <a:r>
+              <a:rPr lang="en-US" sz="2000" dirty="0"/>
+              <a:t>Explore and implement a JavaScript and Web Service based method of finding the City and State associated with a given zip code using one of the following sources:</a:t>
+            </a:r>
+          </a:p>
+          <a:p>
+            <a:r>
+              <a:rPr lang="en-US" sz="2000" dirty="0"/>
+              <a:t>US Post Office </a:t>
+            </a:r>
+            <a:r>
+              <a:rPr lang="en-US" sz="2000" dirty="0">
+                <a:hlinkClick r:id="rId3"/>
+              </a:rPr>
+              <a:t>[link]</a:t>
+            </a:r>
+            <a:endParaRPr lang="en-US" sz="2000" dirty="0"/>
+          </a:p>
+          <a:p>
+            <a:r>
+              <a:rPr lang="en-US" sz="2000" dirty="0"/>
+              <a:t>Google </a:t>
+            </a:r>
+            <a:r>
+              <a:rPr lang="en-US" sz="2000" dirty="0">
+                <a:hlinkClick r:id="rId4"/>
+              </a:rPr>
+              <a:t>[link]</a:t>
+            </a:r>
+            <a:endParaRPr lang="en-US" sz="2000" dirty="0"/>
+          </a:p>
+          <a:p>
+            <a:r>
+              <a:rPr lang="en-US" sz="2000" dirty="0"/>
+              <a:t>An alternative source… please approve alternate sources with me ahead of time</a:t>
+            </a:r>
+          </a:p>
+          <a:p>
+            <a:endParaRPr lang="en-US" sz="2000" dirty="0"/>
+          </a:p>
+          <a:p>
+            <a:pPr marL="0" indent="0">
+              <a:buNone/>
+            </a:pPr>
+            <a:r>
+              <a:rPr lang="en-US" sz="2000" dirty="0"/>
+              <a:t>Requirements:</a:t>
+            </a:r>
+          </a:p>
+          <a:p>
+            <a:r>
+              <a:rPr lang="en-US" sz="2000" dirty="0"/>
+              <a:t>Provide an implementation on your Azure Website</a:t>
+            </a:r>
+          </a:p>
+          <a:p>
+            <a:r>
+              <a:rPr lang="en-US" sz="2000" dirty="0"/>
+              <a:t>Provide developer type documentation and a minimal tutorial for your classmates to utilize when they implement the web service</a:t>
+            </a:r>
+          </a:p>
+          <a:p>
+            <a:pPr marL="0" indent="0">
+              <a:buNone/>
+            </a:pPr>
+            <a:endParaRPr lang="en-US" sz="2000" dirty="0"/>
+          </a:p>
+        </p:txBody>
+      </p:sp>
+    </p:spTree>
+    <p:extLst>
+      <p:ext uri="{BB962C8B-B14F-4D97-AF65-F5344CB8AC3E}">
+        <p14:creationId xmlns:p14="http://schemas.microsoft.com/office/powerpoint/2010/main" val="3627091036"/>
+      </p:ext>
+    </p:extLst>
+  </p:cSld>
+  <p:clrMapOvr>
+    <a:masterClrMapping/>
+  </p:clrMapOvr>
+</p:sld>
+</file>
+
+<file path=ppt/slides/slide7.xml><?xml version="1.0" encoding="utf-8"?>
+<p:sld xmlns:a="http://schemas.openxmlformats.org/drawingml/2006/main" xmlns:r="http://schemas.openxmlformats.org/officeDocument/2006/relationships" xmlns:p="http://schemas.openxmlformats.org/presentationml/2006/main">
+  <p:cSld>
+    <p:spTree>
+      <p:nvGrpSpPr>
+        <p:cNvPr id="1" name=""/>
+        <p:cNvGrpSpPr/>
+        <p:nvPr/>
+      </p:nvGrpSpPr>
+      <p:grpSpPr>
+        <a:xfrm>
+          <a:off x="0" y="0"/>
+          <a:ext cx="0" cy="0"/>
+          <a:chOff x="0" y="0"/>
+          <a:chExt cx="0" cy="0"/>
+        </a:xfrm>
+      </p:grpSpPr>
+      <p:sp>
+        <p:nvSpPr>
           <p:cNvPr id="2" name="Title 1"/>
           <p:cNvSpPr>
             <a:spLocks noGrp="1"/>
@@ -4952,7 +5225,7 @@
 </p:sld>
 </file>
 
-<file path=ppt/slides/slide7.xml><?xml version="1.0" encoding="utf-8"?>
+<file path=ppt/slides/slide8.xml><?xml version="1.0" encoding="utf-8"?>
 <p:sld xmlns:a="http://schemas.openxmlformats.org/drawingml/2006/main" xmlns:r="http://schemas.openxmlformats.org/officeDocument/2006/relationships" xmlns:p="http://schemas.openxmlformats.org/presentationml/2006/main">
   <p:cSld>
     <p:bg>

--- a/CPSC-24700/Presentations/session-26.pptx
+++ b/CPSC-24700/Presentations/session-26.pptx
@@ -208,7 +208,7 @@
           <a:p>
             <a:fld id="{1CF91C02-A59E-4778-8D4F-4840DBBEFA68}" type="datetimeFigureOut">
               <a:rPr lang="en-US" smtClean="0"/>
-              <a:t>10/30/2017</a:t>
+              <a:t>11/1/2017</a:t>
             </a:fld>
             <a:endParaRPr lang="en-US"/>
           </a:p>
@@ -1302,7 +1302,7 @@
           <a:p>
             <a:fld id="{5FB62F81-FD80-4AA8-93CA-E835B40BE667}" type="datetimeFigureOut">
               <a:rPr lang="en-US" smtClean="0"/>
-              <a:t>10/30/2017</a:t>
+              <a:t>11/1/2017</a:t>
             </a:fld>
             <a:endParaRPr lang="en-US"/>
           </a:p>
@@ -1500,7 +1500,7 @@
           <a:p>
             <a:fld id="{5FB62F81-FD80-4AA8-93CA-E835B40BE667}" type="datetimeFigureOut">
               <a:rPr lang="en-US" smtClean="0"/>
-              <a:t>10/30/2017</a:t>
+              <a:t>11/1/2017</a:t>
             </a:fld>
             <a:endParaRPr lang="en-US"/>
           </a:p>
@@ -1708,7 +1708,7 @@
           <a:p>
             <a:fld id="{5FB62F81-FD80-4AA8-93CA-E835B40BE667}" type="datetimeFigureOut">
               <a:rPr lang="en-US" smtClean="0"/>
-              <a:t>10/30/2017</a:t>
+              <a:t>11/1/2017</a:t>
             </a:fld>
             <a:endParaRPr lang="en-US"/>
           </a:p>
@@ -1906,7 +1906,7 @@
           <a:p>
             <a:fld id="{5FB62F81-FD80-4AA8-93CA-E835B40BE667}" type="datetimeFigureOut">
               <a:rPr lang="en-US" smtClean="0"/>
-              <a:t>10/30/2017</a:t>
+              <a:t>11/1/2017</a:t>
             </a:fld>
             <a:endParaRPr lang="en-US"/>
           </a:p>
@@ -2181,7 +2181,7 @@
           <a:p>
             <a:fld id="{5FB62F81-FD80-4AA8-93CA-E835B40BE667}" type="datetimeFigureOut">
               <a:rPr lang="en-US" smtClean="0"/>
-              <a:t>10/30/2017</a:t>
+              <a:t>11/1/2017</a:t>
             </a:fld>
             <a:endParaRPr lang="en-US"/>
           </a:p>
@@ -2446,7 +2446,7 @@
           <a:p>
             <a:fld id="{5FB62F81-FD80-4AA8-93CA-E835B40BE667}" type="datetimeFigureOut">
               <a:rPr lang="en-US" smtClean="0"/>
-              <a:t>10/30/2017</a:t>
+              <a:t>11/1/2017</a:t>
             </a:fld>
             <a:endParaRPr lang="en-US"/>
           </a:p>
@@ -2858,7 +2858,7 @@
           <a:p>
             <a:fld id="{5FB62F81-FD80-4AA8-93CA-E835B40BE667}" type="datetimeFigureOut">
               <a:rPr lang="en-US" smtClean="0"/>
-              <a:t>10/30/2017</a:t>
+              <a:t>11/1/2017</a:t>
             </a:fld>
             <a:endParaRPr lang="en-US"/>
           </a:p>
@@ -2999,7 +2999,7 @@
           <a:p>
             <a:fld id="{5FB62F81-FD80-4AA8-93CA-E835B40BE667}" type="datetimeFigureOut">
               <a:rPr lang="en-US" smtClean="0"/>
-              <a:t>10/30/2017</a:t>
+              <a:t>11/1/2017</a:t>
             </a:fld>
             <a:endParaRPr lang="en-US"/>
           </a:p>
@@ -3112,7 +3112,7 @@
           <a:p>
             <a:fld id="{5FB62F81-FD80-4AA8-93CA-E835B40BE667}" type="datetimeFigureOut">
               <a:rPr lang="en-US" smtClean="0"/>
-              <a:t>10/30/2017</a:t>
+              <a:t>11/1/2017</a:t>
             </a:fld>
             <a:endParaRPr lang="en-US"/>
           </a:p>
@@ -3423,7 +3423,7 @@
           <a:p>
             <a:fld id="{5FB62F81-FD80-4AA8-93CA-E835B40BE667}" type="datetimeFigureOut">
               <a:rPr lang="en-US" smtClean="0"/>
-              <a:t>10/30/2017</a:t>
+              <a:t>11/1/2017</a:t>
             </a:fld>
             <a:endParaRPr lang="en-US"/>
           </a:p>
@@ -3711,7 +3711,7 @@
           <a:p>
             <a:fld id="{5FB62F81-FD80-4AA8-93CA-E835B40BE667}" type="datetimeFigureOut">
               <a:rPr lang="en-US" smtClean="0"/>
-              <a:t>10/30/2017</a:t>
+              <a:t>11/1/2017</a:t>
             </a:fld>
             <a:endParaRPr lang="en-US"/>
           </a:p>
@@ -3952,7 +3952,7 @@
           <a:p>
             <a:fld id="{5FB62F81-FD80-4AA8-93CA-E835B40BE667}" type="datetimeFigureOut">
               <a:rPr lang="en-US" smtClean="0"/>
-              <a:t>10/30/2017</a:t>
+              <a:t>11/1/2017</a:t>
             </a:fld>
             <a:endParaRPr lang="en-US"/>
           </a:p>
